--- a/데이타베이스/오용철-데이타베이스 모델링/[4장]요구 사항 수집 및 분석.pptx
+++ b/데이타베이스/오용철-데이타베이스 모델링/[4장]요구 사항 수집 및 분석.pptx
@@ -11,16 +11,18 @@
     <p:sldId id="260" r:id="rId5"/>
     <p:sldId id="261" r:id="rId6"/>
     <p:sldId id="278" r:id="rId7"/>
-    <p:sldId id="263" r:id="rId8"/>
-    <p:sldId id="264" r:id="rId9"/>
-    <p:sldId id="281" r:id="rId10"/>
-    <p:sldId id="282" r:id="rId11"/>
-    <p:sldId id="265" r:id="rId12"/>
-    <p:sldId id="266" r:id="rId13"/>
-    <p:sldId id="267" r:id="rId14"/>
-    <p:sldId id="274" r:id="rId15"/>
-    <p:sldId id="276" r:id="rId16"/>
-    <p:sldId id="277" r:id="rId17"/>
+    <p:sldId id="283" r:id="rId8"/>
+    <p:sldId id="284" r:id="rId9"/>
+    <p:sldId id="263" r:id="rId10"/>
+    <p:sldId id="264" r:id="rId11"/>
+    <p:sldId id="281" r:id="rId12"/>
+    <p:sldId id="282" r:id="rId13"/>
+    <p:sldId id="265" r:id="rId14"/>
+    <p:sldId id="266" r:id="rId15"/>
+    <p:sldId id="267" r:id="rId16"/>
+    <p:sldId id="274" r:id="rId17"/>
+    <p:sldId id="276" r:id="rId18"/>
+    <p:sldId id="277" r:id="rId19"/>
   </p:sldIdLst>
   <p:sldSz cx="9144000" cy="6858000" type="screen4x3"/>
   <p:notesSz cx="6858000" cy="9144000"/>
@@ -304,7 +306,7 @@
             <a:fld id="{A0931678-067C-4258-8C5E-5382490DD160}" type="datetimeFigureOut">
               <a:rPr lang="ko-KR" altLang="en-US" smtClean="0"/>
               <a:pPr/>
-              <a:t>2010-05-20</a:t>
+              <a:t>2017-08-08</a:t>
             </a:fld>
             <a:endParaRPr lang="ko-KR" altLang="en-US"/>
           </a:p>
@@ -471,7 +473,7 @@
             <a:fld id="{A0931678-067C-4258-8C5E-5382490DD160}" type="datetimeFigureOut">
               <a:rPr lang="ko-KR" altLang="en-US" smtClean="0"/>
               <a:pPr/>
-              <a:t>2010-05-20</a:t>
+              <a:t>2017-08-08</a:t>
             </a:fld>
             <a:endParaRPr lang="ko-KR" altLang="en-US"/>
           </a:p>
@@ -648,7 +650,7 @@
             <a:fld id="{A0931678-067C-4258-8C5E-5382490DD160}" type="datetimeFigureOut">
               <a:rPr lang="ko-KR" altLang="en-US" smtClean="0"/>
               <a:pPr/>
-              <a:t>2010-05-20</a:t>
+              <a:t>2017-08-08</a:t>
             </a:fld>
             <a:endParaRPr lang="ko-KR" altLang="en-US"/>
           </a:p>
@@ -815,7 +817,7 @@
             <a:fld id="{A0931678-067C-4258-8C5E-5382490DD160}" type="datetimeFigureOut">
               <a:rPr lang="ko-KR" altLang="en-US" smtClean="0"/>
               <a:pPr/>
-              <a:t>2010-05-20</a:t>
+              <a:t>2017-08-08</a:t>
             </a:fld>
             <a:endParaRPr lang="ko-KR" altLang="en-US"/>
           </a:p>
@@ -1058,7 +1060,7 @@
             <a:fld id="{A0931678-067C-4258-8C5E-5382490DD160}" type="datetimeFigureOut">
               <a:rPr lang="ko-KR" altLang="en-US" smtClean="0"/>
               <a:pPr/>
-              <a:t>2010-05-20</a:t>
+              <a:t>2017-08-08</a:t>
             </a:fld>
             <a:endParaRPr lang="ko-KR" altLang="en-US"/>
           </a:p>
@@ -1343,7 +1345,7 @@
             <a:fld id="{A0931678-067C-4258-8C5E-5382490DD160}" type="datetimeFigureOut">
               <a:rPr lang="ko-KR" altLang="en-US" smtClean="0"/>
               <a:pPr/>
-              <a:t>2010-05-20</a:t>
+              <a:t>2017-08-08</a:t>
             </a:fld>
             <a:endParaRPr lang="ko-KR" altLang="en-US"/>
           </a:p>
@@ -1762,7 +1764,7 @@
             <a:fld id="{A0931678-067C-4258-8C5E-5382490DD160}" type="datetimeFigureOut">
               <a:rPr lang="ko-KR" altLang="en-US" smtClean="0"/>
               <a:pPr/>
-              <a:t>2010-05-20</a:t>
+              <a:t>2017-08-08</a:t>
             </a:fld>
             <a:endParaRPr lang="ko-KR" altLang="en-US"/>
           </a:p>
@@ -1877,7 +1879,7 @@
             <a:fld id="{A0931678-067C-4258-8C5E-5382490DD160}" type="datetimeFigureOut">
               <a:rPr lang="ko-KR" altLang="en-US" smtClean="0"/>
               <a:pPr/>
-              <a:t>2010-05-20</a:t>
+              <a:t>2017-08-08</a:t>
             </a:fld>
             <a:endParaRPr lang="ko-KR" altLang="en-US"/>
           </a:p>
@@ -1969,7 +1971,7 @@
             <a:fld id="{A0931678-067C-4258-8C5E-5382490DD160}" type="datetimeFigureOut">
               <a:rPr lang="ko-KR" altLang="en-US" smtClean="0"/>
               <a:pPr/>
-              <a:t>2010-05-20</a:t>
+              <a:t>2017-08-08</a:t>
             </a:fld>
             <a:endParaRPr lang="ko-KR" altLang="en-US"/>
           </a:p>
@@ -2243,7 +2245,7 @@
             <a:fld id="{A0931678-067C-4258-8C5E-5382490DD160}" type="datetimeFigureOut">
               <a:rPr lang="ko-KR" altLang="en-US" smtClean="0"/>
               <a:pPr/>
-              <a:t>2010-05-20</a:t>
+              <a:t>2017-08-08</a:t>
             </a:fld>
             <a:endParaRPr lang="ko-KR" altLang="en-US"/>
           </a:p>
@@ -2493,7 +2495,7 @@
             <a:fld id="{A0931678-067C-4258-8C5E-5382490DD160}" type="datetimeFigureOut">
               <a:rPr lang="ko-KR" altLang="en-US" smtClean="0"/>
               <a:pPr/>
-              <a:t>2010-05-20</a:t>
+              <a:t>2017-08-08</a:t>
             </a:fld>
             <a:endParaRPr lang="ko-KR" altLang="en-US"/>
           </a:p>
@@ -2712,7 +2714,7 @@
             <a:fld id="{A0931678-067C-4258-8C5E-5382490DD160}" type="datetimeFigureOut">
               <a:rPr lang="ko-KR" altLang="en-US" smtClean="0"/>
               <a:pPr/>
-              <a:t>2010-05-20</a:t>
+              <a:t>2017-08-08</a:t>
             </a:fld>
             <a:endParaRPr lang="ko-KR" altLang="en-US"/>
           </a:p>
@@ -3178,7 +3180,7 @@
         <p:spPr>
           <a:xfrm>
             <a:off x="722343" y="1582565"/>
-            <a:ext cx="8207375" cy="3207032"/>
+            <a:ext cx="8207375" cy="2677656"/>
           </a:xfrm>
           <a:prstGeom prst="rect">
             <a:avLst/>
@@ -3205,7 +3207,7 @@
             </a:pPr>
             <a:r>
               <a:rPr lang="ko-KR" altLang="en-US" sz="2800" b="1" dirty="0" smtClean="0"/>
-              <a:t>데이터 저장소</a:t>
+              <a:t>자료 흐름도의 구성 요소</a:t>
             </a:r>
           </a:p>
           <a:p>
@@ -3222,11 +3224,7 @@
             </a:pPr>
             <a:r>
               <a:rPr lang="ko-KR" altLang="en-US" sz="2400" dirty="0" smtClean="0"/>
-              <a:t>저</a:t>
-            </a:r>
-            <a:r>
-              <a:rPr lang="ko-KR" altLang="ko-KR" sz="2400" dirty="0" smtClean="0"/>
-              <a:t>장된 정보의 집합</a:t>
+              <a:t>프로세스</a:t>
             </a:r>
             <a:endParaRPr lang="en-US" altLang="ko-KR" sz="2400" dirty="0" smtClean="0"/>
           </a:p>
@@ -3242,29 +3240,11 @@
               <a:buChar char="–"/>
               <a:defRPr/>
             </a:pPr>
+            <a:r>
+              <a:rPr lang="ko-KR" altLang="en-US" sz="2400" dirty="0" smtClean="0"/>
+              <a:t>데이터 흐름</a:t>
+            </a:r>
             <a:endParaRPr lang="en-US" altLang="ko-KR" sz="2400" dirty="0" smtClean="0"/>
-          </a:p>
-          <a:p>
-            <a:pPr marL="342900" lvl="0" indent="-342900">
-              <a:lnSpc>
-                <a:spcPct val="120000"/>
-              </a:lnSpc>
-              <a:spcBef>
-                <a:spcPct val="20000"/>
-              </a:spcBef>
-              <a:buFont typeface="Arial" pitchFamily="34" charset="0"/>
-              <a:buChar char="•"/>
-              <a:defRPr/>
-            </a:pPr>
-            <a:r>
-              <a:rPr lang="ko-KR" altLang="en-US" sz="2800" b="1" dirty="0" smtClean="0"/>
-              <a:t>외부 </a:t>
-            </a:r>
-            <a:r>
-              <a:rPr lang="ko-KR" altLang="en-US" sz="2800" b="1" dirty="0" err="1" smtClean="0"/>
-              <a:t>엔티티</a:t>
-            </a:r>
-            <a:endParaRPr lang="ko-KR" altLang="en-US" sz="2800" b="1" dirty="0" smtClean="0"/>
           </a:p>
           <a:p>
             <a:pPr marL="742950" lvl="1" indent="-285750">
@@ -3280,15 +3260,29 @@
             </a:pPr>
             <a:r>
               <a:rPr lang="ko-KR" altLang="en-US" sz="2400" dirty="0" smtClean="0"/>
-              <a:t>프</a:t>
-            </a:r>
-            <a:r>
-              <a:rPr lang="ko-KR" altLang="ko-KR" sz="2400" dirty="0" smtClean="0"/>
-              <a:t>로세스 처리 과정의 데이터 발생의 시작과 종료</a:t>
-            </a:r>
+              <a:t>데이터 저장소</a:t>
+            </a:r>
+            <a:endParaRPr lang="en-US" altLang="ko-KR" sz="2400" dirty="0" smtClean="0"/>
+          </a:p>
+          <a:p>
+            <a:pPr marL="742950" lvl="1" indent="-285750">
+              <a:lnSpc>
+                <a:spcPct val="120000"/>
+              </a:lnSpc>
+              <a:spcBef>
+                <a:spcPct val="20000"/>
+              </a:spcBef>
+              <a:buFont typeface="Arial" pitchFamily="34" charset="0"/>
+              <a:buChar char="–"/>
+              <a:defRPr/>
+            </a:pPr>
             <a:r>
               <a:rPr lang="ko-KR" altLang="en-US" sz="2400" dirty="0" smtClean="0"/>
-              <a:t>를 나타냄</a:t>
+              <a:t>외부 </a:t>
+            </a:r>
+            <a:r>
+              <a:rPr lang="ko-KR" altLang="en-US" sz="2400" dirty="0" err="1" smtClean="0"/>
+              <a:t>엔티티</a:t>
             </a:r>
             <a:endParaRPr lang="en-US" altLang="ko-KR" sz="2400" b="1" dirty="0" smtClean="0"/>
           </a:p>
@@ -3310,6 +3304,398 @@
 </file>
 
 <file path=ppt/slides/slide11.xml><?xml version="1.0" encoding="utf-8"?>
+<p:sld xmlns:a="http://schemas.openxmlformats.org/drawingml/2006/main" xmlns:r="http://schemas.openxmlformats.org/officeDocument/2006/relationships" xmlns:p="http://schemas.openxmlformats.org/presentationml/2006/main">
+  <p:cSld>
+    <p:spTree>
+      <p:nvGrpSpPr>
+        <p:cNvPr id="1" name=""/>
+        <p:cNvGrpSpPr/>
+        <p:nvPr/>
+      </p:nvGrpSpPr>
+      <p:grpSpPr>
+        <a:xfrm>
+          <a:off x="0" y="0"/>
+          <a:ext cx="0" cy="0"/>
+          <a:chOff x="0" y="0"/>
+          <a:chExt cx="0" cy="0"/>
+        </a:xfrm>
+      </p:grpSpPr>
+      <p:sp>
+        <p:nvSpPr>
+          <p:cNvPr id="4" name="TextBox 3"/>
+          <p:cNvSpPr txBox="1"/>
+          <p:nvPr/>
+        </p:nvSpPr>
+        <p:spPr>
+          <a:xfrm>
+            <a:off x="283300" y="905516"/>
+            <a:ext cx="3619902" cy="523220"/>
+          </a:xfrm>
+          <a:prstGeom prst="rect">
+            <a:avLst/>
+          </a:prstGeom>
+          <a:noFill/>
+        </p:spPr>
+        <p:txBody>
+          <a:bodyPr wrap="none" rtlCol="0">
+            <a:spAutoFit/>
+          </a:bodyPr>
+          <a:lstStyle/>
+          <a:p>
+            <a:r>
+              <a:rPr lang="en-US" altLang="ko-KR" sz="2800" dirty="0" smtClean="0"/>
+              <a:t>4.4 </a:t>
+            </a:r>
+            <a:r>
+              <a:rPr lang="ko-KR" altLang="en-US" sz="2800" dirty="0" smtClean="0"/>
+              <a:t>자료 흐름도</a:t>
+            </a:r>
+            <a:r>
+              <a:rPr lang="en-US" altLang="ko-KR" sz="2800" dirty="0" smtClean="0"/>
+              <a:t>(DFD)</a:t>
+            </a:r>
+            <a:endParaRPr lang="ko-KR" altLang="en-US" sz="2800" dirty="0"/>
+          </a:p>
+        </p:txBody>
+      </p:sp>
+      <p:sp>
+        <p:nvSpPr>
+          <p:cNvPr id="7" name="Rectangle 3"/>
+          <p:cNvSpPr txBox="1">
+            <a:spLocks noChangeArrowheads="1"/>
+          </p:cNvSpPr>
+          <p:nvPr/>
+        </p:nvSpPr>
+        <p:spPr>
+          <a:xfrm>
+            <a:off x="722343" y="1582565"/>
+            <a:ext cx="8207375" cy="3650230"/>
+          </a:xfrm>
+          <a:prstGeom prst="rect">
+            <a:avLst/>
+          </a:prstGeom>
+          <a:noFill/>
+          <a:ln/>
+        </p:spPr>
+        <p:txBody>
+          <a:bodyPr vert="horz" lIns="91440" tIns="45720" rIns="91440" bIns="45720" rtlCol="0">
+            <a:spAutoFit/>
+          </a:bodyPr>
+          <a:lstStyle/>
+          <a:p>
+            <a:pPr marL="342900" lvl="0" indent="-342900">
+              <a:lnSpc>
+                <a:spcPct val="120000"/>
+              </a:lnSpc>
+              <a:spcBef>
+                <a:spcPct val="20000"/>
+              </a:spcBef>
+              <a:buFont typeface="Arial" pitchFamily="34" charset="0"/>
+              <a:buChar char="•"/>
+              <a:defRPr/>
+            </a:pPr>
+            <a:r>
+              <a:rPr lang="ko-KR" altLang="en-US" sz="2800" b="1" dirty="0" smtClean="0"/>
+              <a:t>프로세스</a:t>
+            </a:r>
+          </a:p>
+          <a:p>
+            <a:pPr marL="742950" lvl="1" indent="-285750">
+              <a:lnSpc>
+                <a:spcPct val="120000"/>
+              </a:lnSpc>
+              <a:spcBef>
+                <a:spcPct val="20000"/>
+              </a:spcBef>
+              <a:buFont typeface="Arial" pitchFamily="34" charset="0"/>
+              <a:buChar char="–"/>
+              <a:defRPr/>
+            </a:pPr>
+            <a:r>
+              <a:rPr lang="ko-KR" altLang="ko-KR" sz="2400" dirty="0" smtClean="0"/>
+              <a:t>입력되는 데이터를 원하는 데이터로 변환하여 출력하는 과정</a:t>
+            </a:r>
+            <a:endParaRPr lang="en-US" altLang="ko-KR" sz="2400" dirty="0" smtClean="0"/>
+          </a:p>
+          <a:p>
+            <a:pPr marL="742950" lvl="1" indent="-285750">
+              <a:lnSpc>
+                <a:spcPct val="120000"/>
+              </a:lnSpc>
+              <a:spcBef>
+                <a:spcPct val="20000"/>
+              </a:spcBef>
+              <a:buFont typeface="Arial" pitchFamily="34" charset="0"/>
+              <a:buChar char="–"/>
+              <a:defRPr/>
+            </a:pPr>
+            <a:endParaRPr lang="en-US" altLang="ko-KR" sz="2400" dirty="0" smtClean="0"/>
+          </a:p>
+          <a:p>
+            <a:pPr marL="342900" lvl="0" indent="-342900">
+              <a:lnSpc>
+                <a:spcPct val="120000"/>
+              </a:lnSpc>
+              <a:spcBef>
+                <a:spcPct val="20000"/>
+              </a:spcBef>
+              <a:buFont typeface="Arial" pitchFamily="34" charset="0"/>
+              <a:buChar char="•"/>
+              <a:defRPr/>
+            </a:pPr>
+            <a:r>
+              <a:rPr lang="ko-KR" altLang="en-US" sz="2800" b="1" dirty="0" smtClean="0"/>
+              <a:t>데이터 흐름</a:t>
+            </a:r>
+          </a:p>
+          <a:p>
+            <a:pPr marL="742950" lvl="1" indent="-285750">
+              <a:lnSpc>
+                <a:spcPct val="120000"/>
+              </a:lnSpc>
+              <a:spcBef>
+                <a:spcPct val="20000"/>
+              </a:spcBef>
+              <a:buFont typeface="Arial" pitchFamily="34" charset="0"/>
+              <a:buChar char="–"/>
+              <a:defRPr/>
+            </a:pPr>
+            <a:r>
+              <a:rPr lang="ko-KR" altLang="en-US" sz="2400" dirty="0" smtClean="0"/>
+              <a:t>자</a:t>
+            </a:r>
+            <a:r>
+              <a:rPr lang="ko-KR" altLang="ko-KR" sz="2400" dirty="0" smtClean="0"/>
+              <a:t>료 흐름도의 구성 요소 간의 인터페이스</a:t>
+            </a:r>
+            <a:r>
+              <a:rPr lang="en-US" altLang="ko-KR" sz="2400" dirty="0" smtClean="0"/>
+              <a:t>(</a:t>
+            </a:r>
+            <a:r>
+              <a:rPr lang="ko-KR" altLang="ko-KR" sz="2400" dirty="0" smtClean="0"/>
+              <a:t>의사소통을 위한 매개체</a:t>
+            </a:r>
+            <a:r>
+              <a:rPr lang="en-US" altLang="ko-KR" sz="2400" dirty="0" smtClean="0"/>
+              <a:t>)</a:t>
+            </a:r>
+          </a:p>
+        </p:txBody>
+      </p:sp>
+    </p:spTree>
+  </p:cSld>
+  <p:clrMapOvr>
+    <a:masterClrMapping/>
+  </p:clrMapOvr>
+  <p:timing>
+    <p:tnLst>
+      <p:par>
+        <p:cTn id="1" dur="indefinite" restart="never" nodeType="tmRoot"/>
+      </p:par>
+    </p:tnLst>
+  </p:timing>
+</p:sld>
+</file>
+
+<file path=ppt/slides/slide12.xml><?xml version="1.0" encoding="utf-8"?>
+<p:sld xmlns:a="http://schemas.openxmlformats.org/drawingml/2006/main" xmlns:r="http://schemas.openxmlformats.org/officeDocument/2006/relationships" xmlns:p="http://schemas.openxmlformats.org/presentationml/2006/main">
+  <p:cSld>
+    <p:spTree>
+      <p:nvGrpSpPr>
+        <p:cNvPr id="1" name=""/>
+        <p:cNvGrpSpPr/>
+        <p:nvPr/>
+      </p:nvGrpSpPr>
+      <p:grpSpPr>
+        <a:xfrm>
+          <a:off x="0" y="0"/>
+          <a:ext cx="0" cy="0"/>
+          <a:chOff x="0" y="0"/>
+          <a:chExt cx="0" cy="0"/>
+        </a:xfrm>
+      </p:grpSpPr>
+      <p:sp>
+        <p:nvSpPr>
+          <p:cNvPr id="4" name="TextBox 3"/>
+          <p:cNvSpPr txBox="1"/>
+          <p:nvPr/>
+        </p:nvSpPr>
+        <p:spPr>
+          <a:xfrm>
+            <a:off x="283300" y="905516"/>
+            <a:ext cx="3619902" cy="523220"/>
+          </a:xfrm>
+          <a:prstGeom prst="rect">
+            <a:avLst/>
+          </a:prstGeom>
+          <a:noFill/>
+        </p:spPr>
+        <p:txBody>
+          <a:bodyPr wrap="none" rtlCol="0">
+            <a:spAutoFit/>
+          </a:bodyPr>
+          <a:lstStyle/>
+          <a:p>
+            <a:r>
+              <a:rPr lang="en-US" altLang="ko-KR" sz="2800" dirty="0" smtClean="0"/>
+              <a:t>4.4 </a:t>
+            </a:r>
+            <a:r>
+              <a:rPr lang="ko-KR" altLang="en-US" sz="2800" dirty="0" smtClean="0"/>
+              <a:t>자료 흐름도</a:t>
+            </a:r>
+            <a:r>
+              <a:rPr lang="en-US" altLang="ko-KR" sz="2800" dirty="0" smtClean="0"/>
+              <a:t>(DFD)</a:t>
+            </a:r>
+            <a:endParaRPr lang="ko-KR" altLang="en-US" sz="2800" dirty="0"/>
+          </a:p>
+        </p:txBody>
+      </p:sp>
+      <p:sp>
+        <p:nvSpPr>
+          <p:cNvPr id="7" name="Rectangle 3"/>
+          <p:cNvSpPr txBox="1">
+            <a:spLocks noChangeArrowheads="1"/>
+          </p:cNvSpPr>
+          <p:nvPr/>
+        </p:nvSpPr>
+        <p:spPr>
+          <a:xfrm>
+            <a:off x="722343" y="1582565"/>
+            <a:ext cx="8207375" cy="3207032"/>
+          </a:xfrm>
+          <a:prstGeom prst="rect">
+            <a:avLst/>
+          </a:prstGeom>
+          <a:noFill/>
+          <a:ln/>
+        </p:spPr>
+        <p:txBody>
+          <a:bodyPr vert="horz" lIns="91440" tIns="45720" rIns="91440" bIns="45720" rtlCol="0">
+            <a:spAutoFit/>
+          </a:bodyPr>
+          <a:lstStyle/>
+          <a:p>
+            <a:pPr marL="342900" lvl="0" indent="-342900">
+              <a:lnSpc>
+                <a:spcPct val="120000"/>
+              </a:lnSpc>
+              <a:spcBef>
+                <a:spcPct val="20000"/>
+              </a:spcBef>
+              <a:buFont typeface="Arial" pitchFamily="34" charset="0"/>
+              <a:buChar char="•"/>
+              <a:defRPr/>
+            </a:pPr>
+            <a:r>
+              <a:rPr lang="ko-KR" altLang="en-US" sz="2800" b="1" dirty="0" smtClean="0"/>
+              <a:t>데이터 저장소</a:t>
+            </a:r>
+          </a:p>
+          <a:p>
+            <a:pPr marL="742950" lvl="1" indent="-285750">
+              <a:lnSpc>
+                <a:spcPct val="120000"/>
+              </a:lnSpc>
+              <a:spcBef>
+                <a:spcPct val="20000"/>
+              </a:spcBef>
+              <a:buFont typeface="Arial" pitchFamily="34" charset="0"/>
+              <a:buChar char="–"/>
+              <a:defRPr/>
+            </a:pPr>
+            <a:r>
+              <a:rPr lang="ko-KR" altLang="en-US" sz="2400" dirty="0" smtClean="0"/>
+              <a:t>저</a:t>
+            </a:r>
+            <a:r>
+              <a:rPr lang="ko-KR" altLang="ko-KR" sz="2400" dirty="0" smtClean="0"/>
+              <a:t>장된 정보의 집합</a:t>
+            </a:r>
+            <a:endParaRPr lang="en-US" altLang="ko-KR" sz="2400" dirty="0" smtClean="0"/>
+          </a:p>
+          <a:p>
+            <a:pPr marL="742950" lvl="1" indent="-285750">
+              <a:lnSpc>
+                <a:spcPct val="120000"/>
+              </a:lnSpc>
+              <a:spcBef>
+                <a:spcPct val="20000"/>
+              </a:spcBef>
+              <a:buFont typeface="Arial" pitchFamily="34" charset="0"/>
+              <a:buChar char="–"/>
+              <a:defRPr/>
+            </a:pPr>
+            <a:endParaRPr lang="en-US" altLang="ko-KR" sz="2400" dirty="0" smtClean="0"/>
+          </a:p>
+          <a:p>
+            <a:pPr marL="342900" lvl="0" indent="-342900">
+              <a:lnSpc>
+                <a:spcPct val="120000"/>
+              </a:lnSpc>
+              <a:spcBef>
+                <a:spcPct val="20000"/>
+              </a:spcBef>
+              <a:buFont typeface="Arial" pitchFamily="34" charset="0"/>
+              <a:buChar char="•"/>
+              <a:defRPr/>
+            </a:pPr>
+            <a:r>
+              <a:rPr lang="ko-KR" altLang="en-US" sz="2800" b="1" dirty="0" smtClean="0"/>
+              <a:t>외부 </a:t>
+            </a:r>
+            <a:r>
+              <a:rPr lang="ko-KR" altLang="en-US" sz="2800" b="1" dirty="0" err="1" smtClean="0"/>
+              <a:t>엔티티</a:t>
+            </a:r>
+            <a:endParaRPr lang="ko-KR" altLang="en-US" sz="2800" b="1" dirty="0" smtClean="0"/>
+          </a:p>
+          <a:p>
+            <a:pPr marL="742950" lvl="1" indent="-285750">
+              <a:lnSpc>
+                <a:spcPct val="120000"/>
+              </a:lnSpc>
+              <a:spcBef>
+                <a:spcPct val="20000"/>
+              </a:spcBef>
+              <a:buFont typeface="Arial" pitchFamily="34" charset="0"/>
+              <a:buChar char="–"/>
+              <a:defRPr/>
+            </a:pPr>
+            <a:r>
+              <a:rPr lang="ko-KR" altLang="en-US" sz="2400" dirty="0" smtClean="0"/>
+              <a:t>프</a:t>
+            </a:r>
+            <a:r>
+              <a:rPr lang="ko-KR" altLang="ko-KR" sz="2400" dirty="0" smtClean="0"/>
+              <a:t>로세스 처리 과정의 데이터 발생의 시작과 종료</a:t>
+            </a:r>
+            <a:r>
+              <a:rPr lang="ko-KR" altLang="en-US" sz="2400" dirty="0" smtClean="0"/>
+              <a:t>를 나타냄</a:t>
+            </a:r>
+            <a:endParaRPr lang="en-US" altLang="ko-KR" sz="2400" b="1" dirty="0" smtClean="0"/>
+          </a:p>
+        </p:txBody>
+      </p:sp>
+    </p:spTree>
+  </p:cSld>
+  <p:clrMapOvr>
+    <a:masterClrMapping/>
+  </p:clrMapOvr>
+  <p:timing>
+    <p:tnLst>
+      <p:par>
+        <p:cTn id="1" dur="indefinite" restart="never" nodeType="tmRoot"/>
+      </p:par>
+    </p:tnLst>
+  </p:timing>
+</p:sld>
+</file>
+
+<file path=ppt/slides/slide13.xml><?xml version="1.0" encoding="utf-8"?>
 <p:sld xmlns:a="http://schemas.openxmlformats.org/drawingml/2006/main" xmlns:r="http://schemas.openxmlformats.org/officeDocument/2006/relationships" xmlns:p="http://schemas.openxmlformats.org/presentationml/2006/main">
   <p:cSld>
     <p:spTree>
@@ -3407,7 +3793,7 @@
 </p:sld>
 </file>
 
-<file path=ppt/slides/slide12.xml><?xml version="1.0" encoding="utf-8"?>
+<file path=ppt/slides/slide14.xml><?xml version="1.0" encoding="utf-8"?>
 <p:sld xmlns:a="http://schemas.openxmlformats.org/drawingml/2006/main" xmlns:r="http://schemas.openxmlformats.org/officeDocument/2006/relationships" xmlns:p="http://schemas.openxmlformats.org/presentationml/2006/main">
   <p:cSld>
     <p:spTree>
@@ -3643,7 +4029,7 @@
 </p:sld>
 </file>
 
-<file path=ppt/slides/slide13.xml><?xml version="1.0" encoding="utf-8"?>
+<file path=ppt/slides/slide15.xml><?xml version="1.0" encoding="utf-8"?>
 <p:sld xmlns:a="http://schemas.openxmlformats.org/drawingml/2006/main" xmlns:r="http://schemas.openxmlformats.org/officeDocument/2006/relationships" xmlns:p="http://schemas.openxmlformats.org/presentationml/2006/main">
   <p:cSld>
     <p:spTree>
@@ -3865,7 +4251,7 @@
 </p:sld>
 </file>
 
-<file path=ppt/slides/slide14.xml><?xml version="1.0" encoding="utf-8"?>
+<file path=ppt/slides/slide16.xml><?xml version="1.0" encoding="utf-8"?>
 <p:sld xmlns:a="http://schemas.openxmlformats.org/drawingml/2006/main" xmlns:r="http://schemas.openxmlformats.org/officeDocument/2006/relationships" xmlns:p="http://schemas.openxmlformats.org/presentationml/2006/main">
   <p:cSld>
     <p:spTree>
@@ -4056,17 +4442,12 @@
               <a:rPr lang="en-US" altLang="ja-JP" sz="2000" b="1" dirty="0" smtClean="0"/>
               <a:t> </a:t>
             </a:r>
-            <a:endParaRPr lang="en-US" altLang="ja-JP" sz="2000" b="1" dirty="0" smtClean="0"/>
           </a:p>
           <a:p>
             <a:pPr algn="ctr"/>
             <a:r>
               <a:rPr lang="ko-KR" altLang="en-US" sz="2000" b="1" dirty="0" smtClean="0"/>
-              <a:t>배경</a:t>
-            </a:r>
-            <a:r>
-              <a:rPr lang="ko-KR" altLang="en-US" sz="2000" b="1" dirty="0" smtClean="0"/>
-              <a:t>도</a:t>
+              <a:t>배경도</a:t>
             </a:r>
             <a:endParaRPr lang="en-US" altLang="ja-JP" sz="2000" b="1" dirty="0" smtClean="0"/>
           </a:p>
@@ -4087,7 +4468,7 @@
 </p:sld>
 </file>
 
-<file path=ppt/slides/slide15.xml><?xml version="1.0" encoding="utf-8"?>
+<file path=ppt/slides/slide17.xml><?xml version="1.0" encoding="utf-8"?>
 <p:sld xmlns:a="http://schemas.openxmlformats.org/drawingml/2006/main" xmlns:r="http://schemas.openxmlformats.org/officeDocument/2006/relationships" xmlns:p="http://schemas.openxmlformats.org/presentationml/2006/main">
   <p:cSld>
     <p:spTree>
@@ -4260,7 +4641,6 @@
               <a:rPr lang="en-US" altLang="ja-JP" sz="2000" b="1" dirty="0" smtClean="0"/>
               <a:t> </a:t>
             </a:r>
-            <a:endParaRPr lang="en-US" altLang="ja-JP" sz="2000" b="1" dirty="0" smtClean="0"/>
           </a:p>
         </p:txBody>
       </p:sp>
@@ -4311,7 +4691,7 @@
 </p:sld>
 </file>
 
-<file path=ppt/slides/slide16.xml><?xml version="1.0" encoding="utf-8"?>
+<file path=ppt/slides/slide18.xml><?xml version="1.0" encoding="utf-8"?>
 <p:sld xmlns:a="http://schemas.openxmlformats.org/drawingml/2006/main" xmlns:r="http://schemas.openxmlformats.org/officeDocument/2006/relationships" xmlns:p="http://schemas.openxmlformats.org/presentationml/2006/main">
   <p:cSld>
     <p:spTree>
@@ -4484,7 +4864,6 @@
               <a:rPr lang="en-US" altLang="ja-JP" sz="2000" b="1" dirty="0" smtClean="0"/>
               <a:t> </a:t>
             </a:r>
-            <a:endParaRPr lang="en-US" altLang="ja-JP" sz="2000" b="1" dirty="0" smtClean="0"/>
           </a:p>
         </p:txBody>
       </p:sp>
@@ -5599,7 +5978,7 @@
         <p:spPr>
           <a:xfrm>
             <a:off x="283300" y="905516"/>
-            <a:ext cx="3619902" cy="523220"/>
+            <a:ext cx="3191899" cy="523220"/>
           </a:xfrm>
           <a:prstGeom prst="rect">
             <a:avLst/>
@@ -5614,15 +5993,11 @@
           <a:p>
             <a:r>
               <a:rPr lang="en-US" altLang="ko-KR" sz="2800" dirty="0" smtClean="0"/>
-              <a:t>4.4 </a:t>
+              <a:t>4.2 </a:t>
             </a:r>
             <a:r>
               <a:rPr lang="ko-KR" altLang="en-US" sz="2800" dirty="0" smtClean="0"/>
-              <a:t>자료 흐름도</a:t>
-            </a:r>
-            <a:r>
-              <a:rPr lang="en-US" altLang="ko-KR" sz="2800" dirty="0" smtClean="0"/>
-              <a:t>(DFD)</a:t>
+              <a:t>요구 사항 분석</a:t>
             </a:r>
             <a:endParaRPr lang="ko-KR" altLang="en-US" sz="2800" dirty="0"/>
           </a:p>
@@ -5639,7 +6014,7 @@
         <p:spPr>
           <a:xfrm>
             <a:off x="722343" y="1582565"/>
-            <a:ext cx="8207375" cy="2086725"/>
+            <a:ext cx="8207375" cy="2677656"/>
           </a:xfrm>
           <a:prstGeom prst="rect">
             <a:avLst/>
@@ -5672,11 +6047,7 @@
             </a:pPr>
             <a:r>
               <a:rPr lang="ko-KR" altLang="en-US" sz="2800" b="1" dirty="0" smtClean="0"/>
-              <a:t>자료 흐름도</a:t>
-            </a:r>
-            <a:r>
-              <a:rPr lang="en-US" altLang="ko-KR" sz="2800" b="1" dirty="0" smtClean="0"/>
-              <a:t>(DFD, Data Flow Diagram)</a:t>
+              <a:t>요구 사항 분석에 포함될 내용</a:t>
             </a:r>
             <a:endParaRPr kumimoji="0" lang="en-US" altLang="ko-KR" sz="2800" b="1" i="0" u="none" strike="noStrike" kern="1200" cap="none" spc="0" normalizeH="0" baseline="0" noProof="0" dirty="0" smtClean="0">
               <a:ln>
@@ -5694,92 +6065,139 @@
             </a:endParaRPr>
           </a:p>
           <a:p>
-            <a:pPr marL="742950" marR="0" lvl="1" indent="-285750" algn="l" defTabSz="914400" rtl="0" eaLnBrk="1" fontAlgn="auto" latinLnBrk="1" hangingPunct="1">
+            <a:pPr marL="742950" lvl="1" indent="-285750">
               <a:lnSpc>
                 <a:spcPct val="120000"/>
               </a:lnSpc>
               <a:spcBef>
                 <a:spcPct val="20000"/>
               </a:spcBef>
-              <a:spcAft>
-                <a:spcPts val="0"/>
-              </a:spcAft>
-              <a:buClrTx/>
-              <a:buSzTx/>
               <a:buFont typeface="Arial" pitchFamily="34" charset="0"/>
               <a:buChar char="–"/>
-              <a:tabLst/>
               <a:defRPr/>
             </a:pPr>
             <a:r>
-              <a:rPr lang="ko-KR" altLang="en-US" sz="2400" dirty="0" smtClean="0"/>
-              <a:t>데이터가 소프트웨어</a:t>
-            </a:r>
-            <a:r>
-              <a:rPr lang="en-US" altLang="ko-KR" sz="2400" dirty="0" smtClean="0"/>
-              <a:t>(</a:t>
-            </a:r>
-            <a:r>
-              <a:rPr lang="ko-KR" altLang="en-US" sz="2400" dirty="0" smtClean="0"/>
-              <a:t>또는 시스템</a:t>
-            </a:r>
-            <a:r>
-              <a:rPr lang="en-US" altLang="ko-KR" sz="2400" dirty="0" smtClean="0"/>
-              <a:t>) </a:t>
-            </a:r>
-            <a:r>
-              <a:rPr lang="ko-KR" altLang="en-US" sz="2400" dirty="0" smtClean="0"/>
-              <a:t>내의 각 프로세스를 따라 흐르면서 변환되는 모습을 나타낸 그림</a:t>
-            </a:r>
-            <a:endParaRPr kumimoji="0" lang="en-US" altLang="ko-KR" sz="2400" i="0" u="none" strike="noStrike" kern="1200" cap="none" spc="0" normalizeH="0" baseline="0" noProof="0" dirty="0" smtClean="0">
-              <a:ln>
-                <a:noFill/>
-              </a:ln>
-              <a:solidFill>
-                <a:schemeClr val="tx1"/>
-              </a:solidFill>
-              <a:effectLst/>
-              <a:uLnTx/>
-              <a:uFillTx/>
-              <a:latin typeface="+mn-lt"/>
-              <a:ea typeface="+mn-ea"/>
-              <a:cs typeface="+mn-cs"/>
-            </a:endParaRPr>
-          </a:p>
-          <a:p>
-            <a:pPr marL="742950" marR="0" lvl="1" indent="-285750" algn="l" defTabSz="914400" rtl="0" eaLnBrk="1" fontAlgn="auto" latinLnBrk="1" hangingPunct="1">
+              <a:rPr lang="ko-KR" altLang="en-US" sz="2400" noProof="0" dirty="0" smtClean="0"/>
+              <a:t>시스템의 목적 설명</a:t>
+            </a:r>
+            <a:endParaRPr lang="en-US" altLang="ko-KR" sz="2400" noProof="0" dirty="0" smtClean="0"/>
+          </a:p>
+          <a:p>
+            <a:pPr marL="742950" lvl="1" indent="-285750">
               <a:lnSpc>
                 <a:spcPct val="120000"/>
               </a:lnSpc>
               <a:spcBef>
                 <a:spcPct val="20000"/>
               </a:spcBef>
-              <a:spcAft>
-                <a:spcPts val="0"/>
-              </a:spcAft>
-              <a:buClrTx/>
-              <a:buSzTx/>
-              <a:tabLst/>
+              <a:buFont typeface="Arial" pitchFamily="34" charset="0"/>
+              <a:buChar char="–"/>
               <a:defRPr/>
             </a:pPr>
-            <a:endParaRPr kumimoji="0" lang="en-US" altLang="ko-KR" sz="2400" b="1" i="0" u="none" strike="noStrike" kern="1200" cap="none" spc="0" normalizeH="0" baseline="0" noProof="0" dirty="0" smtClean="0">
-              <a:ln>
-                <a:noFill/>
-              </a:ln>
-              <a:solidFill>
-                <a:schemeClr val="tx1"/>
-              </a:solidFill>
-              <a:effectLst/>
-              <a:uLnTx/>
-              <a:uFillTx/>
-              <a:latin typeface="+mn-lt"/>
-              <a:ea typeface="+mn-ea"/>
-              <a:cs typeface="+mn-cs"/>
-            </a:endParaRPr>
-          </a:p>
-        </p:txBody>
-      </p:sp>
+            <a:r>
+              <a:rPr lang="ko-KR" altLang="en-US" sz="2400" dirty="0" smtClean="0"/>
+              <a:t>제약 조건 설정</a:t>
+            </a:r>
+            <a:endParaRPr lang="en-US" altLang="ko-KR" sz="2400" dirty="0" smtClean="0"/>
+          </a:p>
+          <a:p>
+            <a:pPr marL="742950" lvl="1" indent="-285750">
+              <a:lnSpc>
+                <a:spcPct val="120000"/>
+              </a:lnSpc>
+              <a:spcBef>
+                <a:spcPct val="20000"/>
+              </a:spcBef>
+              <a:buFont typeface="Arial" pitchFamily="34" charset="0"/>
+              <a:buChar char="–"/>
+              <a:defRPr/>
+            </a:pPr>
+            <a:r>
+              <a:rPr lang="ko-KR" altLang="en-US" sz="2400" dirty="0" smtClean="0"/>
+              <a:t>기존 시스템에 대한 이해</a:t>
+            </a:r>
+            <a:endParaRPr lang="en-US" altLang="ko-KR" sz="2400" dirty="0" smtClean="0"/>
+          </a:p>
+          <a:p>
+            <a:pPr marL="742950" lvl="1" indent="-285750">
+              <a:lnSpc>
+                <a:spcPct val="120000"/>
+              </a:lnSpc>
+              <a:spcBef>
+                <a:spcPct val="20000"/>
+              </a:spcBef>
+              <a:buFont typeface="Arial" pitchFamily="34" charset="0"/>
+              <a:buChar char="–"/>
+              <a:defRPr/>
+            </a:pPr>
+            <a:r>
+              <a:rPr lang="ko-KR" altLang="en-US" sz="2400" dirty="0" smtClean="0"/>
+              <a:t>요구 사항 명세서</a:t>
+            </a:r>
+            <a:endParaRPr lang="en-US" altLang="ko-KR" sz="2400" dirty="0" smtClean="0"/>
+          </a:p>
+        </p:txBody>
+      </p:sp>
+      <p:pic>
+        <p:nvPicPr>
+          <p:cNvPr id="1026" name="Picture 2"/>
+          <p:cNvPicPr>
+            <a:picLocks noChangeAspect="1" noChangeArrowheads="1"/>
+          </p:cNvPicPr>
+          <p:nvPr/>
+        </p:nvPicPr>
+        <p:blipFill>
+          <a:blip r:embed="rId2">
+            <a:extLst>
+              <a:ext uri="{28A0092B-C50C-407E-A947-70E740481C1C}">
+                <a14:useLocalDpi xmlns:a14="http://schemas.microsoft.com/office/drawing/2010/main" val="0"/>
+              </a:ext>
+            </a:extLst>
+          </a:blip>
+          <a:srcRect/>
+          <a:stretch>
+            <a:fillRect/>
+          </a:stretch>
+        </p:blipFill>
+        <p:spPr bwMode="auto">
+          <a:xfrm>
+            <a:off x="257175" y="747713"/>
+            <a:ext cx="8629650" cy="5362575"/>
+          </a:xfrm>
+          <a:prstGeom prst="rect">
+            <a:avLst/>
+          </a:prstGeom>
+          <a:noFill/>
+          <a:ln>
+            <a:noFill/>
+          </a:ln>
+          <a:extLst>
+            <a:ext uri="{909E8E84-426E-40DD-AFC4-6F175D3DCCD1}">
+              <a14:hiddenFill xmlns:a14="http://schemas.microsoft.com/office/drawing/2010/main">
+                <a:solidFill>
+                  <a:schemeClr val="accent1"/>
+                </a:solidFill>
+              </a14:hiddenFill>
+            </a:ext>
+            <a:ext uri="{91240B29-F687-4F45-9708-019B960494DF}">
+              <a14:hiddenLine xmlns:a14="http://schemas.microsoft.com/office/drawing/2010/main" w="9525">
+                <a:solidFill>
+                  <a:schemeClr val="tx1"/>
+                </a:solidFill>
+                <a:miter lim="800000"/>
+                <a:headEnd/>
+                <a:tailEnd/>
+              </a14:hiddenLine>
+            </a:ext>
+          </a:extLst>
+        </p:spPr>
+      </p:pic>
     </p:spTree>
+    <p:extLst>
+      <p:ext uri="{BB962C8B-B14F-4D97-AF65-F5344CB8AC3E}">
+        <p14:creationId xmlns:p14="http://schemas.microsoft.com/office/powerpoint/2010/main" val="3897430491"/>
+      </p:ext>
+    </p:extLst>
   </p:cSld>
   <p:clrMapOvr>
     <a:masterClrMapping/>
@@ -5820,7 +6238,7 @@
         <p:spPr>
           <a:xfrm>
             <a:off x="283300" y="905516"/>
-            <a:ext cx="3619902" cy="523220"/>
+            <a:ext cx="3191899" cy="523220"/>
           </a:xfrm>
           <a:prstGeom prst="rect">
             <a:avLst/>
@@ -5835,15 +6253,11 @@
           <a:p>
             <a:r>
               <a:rPr lang="en-US" altLang="ko-KR" sz="2800" dirty="0" smtClean="0"/>
-              <a:t>4.4 </a:t>
+              <a:t>4.2 </a:t>
             </a:r>
             <a:r>
               <a:rPr lang="ko-KR" altLang="en-US" sz="2800" dirty="0" smtClean="0"/>
-              <a:t>자료 흐름도</a:t>
-            </a:r>
-            <a:r>
-              <a:rPr lang="en-US" altLang="ko-KR" sz="2800" dirty="0" smtClean="0"/>
-              <a:t>(DFD)</a:t>
+              <a:t>요구 사항 분석</a:t>
             </a:r>
             <a:endParaRPr lang="ko-KR" altLang="en-US" sz="2800" dirty="0"/>
           </a:p>
@@ -5874,21 +6288,41 @@
           </a:bodyPr>
           <a:lstStyle/>
           <a:p>
-            <a:pPr marL="342900" lvl="0" indent="-342900">
+            <a:pPr marL="342900" marR="0" lvl="0" indent="-342900" algn="l" defTabSz="914400" rtl="0" eaLnBrk="1" fontAlgn="auto" latinLnBrk="1" hangingPunct="1">
               <a:lnSpc>
                 <a:spcPct val="120000"/>
               </a:lnSpc>
               <a:spcBef>
                 <a:spcPct val="20000"/>
               </a:spcBef>
+              <a:spcAft>
+                <a:spcPts val="0"/>
+              </a:spcAft>
+              <a:buClrTx/>
+              <a:buSzTx/>
               <a:buFont typeface="Arial" pitchFamily="34" charset="0"/>
               <a:buChar char="•"/>
+              <a:tabLst/>
               <a:defRPr/>
             </a:pPr>
             <a:r>
               <a:rPr lang="ko-KR" altLang="en-US" sz="2800" b="1" dirty="0" smtClean="0"/>
-              <a:t>자료 흐름도의 구성 요소</a:t>
-            </a:r>
+              <a:t>요구 사항 분석에 포함될 내용</a:t>
+            </a:r>
+            <a:endParaRPr kumimoji="0" lang="en-US" altLang="ko-KR" sz="2800" b="1" i="0" u="none" strike="noStrike" kern="1200" cap="none" spc="0" normalizeH="0" baseline="0" noProof="0" dirty="0" smtClean="0">
+              <a:ln>
+                <a:noFill/>
+              </a:ln>
+              <a:solidFill>
+                <a:schemeClr val="tx1"/>
+              </a:solidFill>
+              <a:effectLst/>
+              <a:uLnTx/>
+              <a:uFillTx/>
+              <a:latin typeface="+mn-lt"/>
+              <a:ea typeface="+mn-ea"/>
+              <a:cs typeface="+mn-cs"/>
+            </a:endParaRPr>
           </a:p>
           <a:p>
             <a:pPr marL="742950" lvl="1" indent="-285750">
@@ -5903,10 +6337,10 @@
               <a:defRPr/>
             </a:pPr>
             <a:r>
-              <a:rPr lang="ko-KR" altLang="en-US" sz="2400" dirty="0" smtClean="0"/>
-              <a:t>프로세스</a:t>
-            </a:r>
-            <a:endParaRPr lang="en-US" altLang="ko-KR" sz="2400" dirty="0" smtClean="0"/>
+              <a:rPr lang="ko-KR" altLang="en-US" sz="2400" noProof="0" dirty="0" smtClean="0"/>
+              <a:t>시스템의 목적 설명</a:t>
+            </a:r>
+            <a:endParaRPr lang="en-US" altLang="ko-KR" sz="2400" noProof="0" dirty="0" smtClean="0"/>
           </a:p>
           <a:p>
             <a:pPr marL="742950" lvl="1" indent="-285750">
@@ -5922,7 +6356,7 @@
             </a:pPr>
             <a:r>
               <a:rPr lang="ko-KR" altLang="en-US" sz="2400" dirty="0" smtClean="0"/>
-              <a:t>데이터 흐름</a:t>
+              <a:t>제약 조건 설정</a:t>
             </a:r>
             <a:endParaRPr lang="en-US" altLang="ko-KR" sz="2400" dirty="0" smtClean="0"/>
           </a:p>
@@ -5940,7 +6374,7 @@
             </a:pPr>
             <a:r>
               <a:rPr lang="ko-KR" altLang="en-US" sz="2400" dirty="0" smtClean="0"/>
-              <a:t>데이터 저장소</a:t>
+              <a:t>기존 시스템에 대한 이해</a:t>
             </a:r>
             <a:endParaRPr lang="en-US" altLang="ko-KR" sz="2400" dirty="0" smtClean="0"/>
           </a:p>
@@ -5958,17 +6392,72 @@
             </a:pPr>
             <a:r>
               <a:rPr lang="ko-KR" altLang="en-US" sz="2400" dirty="0" smtClean="0"/>
-              <a:t>외부 </a:t>
-            </a:r>
-            <a:r>
-              <a:rPr lang="ko-KR" altLang="en-US" sz="2400" dirty="0" err="1" smtClean="0"/>
-              <a:t>엔티티</a:t>
-            </a:r>
-            <a:endParaRPr lang="en-US" altLang="ko-KR" sz="2400" b="1" dirty="0" smtClean="0"/>
-          </a:p>
-        </p:txBody>
-      </p:sp>
+              <a:t>요구 사항 명세서</a:t>
+            </a:r>
+            <a:endParaRPr lang="en-US" altLang="ko-KR" sz="2400" dirty="0" smtClean="0"/>
+          </a:p>
+        </p:txBody>
+      </p:sp>
+      <p:pic>
+        <p:nvPicPr>
+          <p:cNvPr id="2050" name="Picture 2"/>
+          <p:cNvPicPr>
+            <a:picLocks noChangeAspect="1" noChangeArrowheads="1"/>
+          </p:cNvPicPr>
+          <p:nvPr/>
+        </p:nvPicPr>
+        <p:blipFill>
+          <a:blip r:embed="rId2">
+            <a:extLst>
+              <a:ext uri="{28A0092B-C50C-407E-A947-70E740481C1C}">
+                <a14:useLocalDpi xmlns:a14="http://schemas.microsoft.com/office/drawing/2010/main" val="0"/>
+              </a:ext>
+            </a:extLst>
+          </a:blip>
+          <a:srcRect/>
+          <a:stretch>
+            <a:fillRect/>
+          </a:stretch>
+        </p:blipFill>
+        <p:spPr bwMode="auto">
+          <a:xfrm>
+            <a:off x="242888" y="896632"/>
+            <a:ext cx="8658225" cy="5600700"/>
+          </a:xfrm>
+          <a:prstGeom prst="rect">
+            <a:avLst/>
+          </a:prstGeom>
+          <a:noFill/>
+          <a:ln>
+            <a:noFill/>
+          </a:ln>
+          <a:extLst>
+            <a:ext uri="{909E8E84-426E-40DD-AFC4-6F175D3DCCD1}">
+              <a14:hiddenFill xmlns:a14="http://schemas.microsoft.com/office/drawing/2010/main">
+                <a:solidFill>
+                  <a:schemeClr val="accent1"/>
+                </a:solidFill>
+              </a14:hiddenFill>
+            </a:ext>
+            <a:ext uri="{91240B29-F687-4F45-9708-019B960494DF}">
+              <a14:hiddenLine xmlns:a14="http://schemas.microsoft.com/office/drawing/2010/main" w="9525">
+                <a:solidFill>
+                  <a:schemeClr val="tx1"/>
+                </a:solidFill>
+                <a:miter lim="800000"/>
+                <a:headEnd/>
+                <a:tailEnd/>
+              </a14:hiddenLine>
+            </a:ext>
+          </a:extLst>
+        </p:spPr>
+      </p:pic>
     </p:spTree>
+    <p:extLst>
+      <p:ext uri="{BB962C8B-B14F-4D97-AF65-F5344CB8AC3E}">
+        <p14:creationId xmlns:p14="http://schemas.microsoft.com/office/powerpoint/2010/main" val="3229770520"/>
+      </p:ext>
+    </p:extLst>
   </p:cSld>
   <p:clrMapOvr>
     <a:masterClrMapping/>
@@ -6049,7 +6538,7 @@
         <p:spPr>
           <a:xfrm>
             <a:off x="722343" y="1582565"/>
-            <a:ext cx="8207375" cy="3650230"/>
+            <a:ext cx="8207375" cy="2086725"/>
           </a:xfrm>
           <a:prstGeom prst="rect">
             <a:avLst/>
@@ -6063,103 +6552,129 @@
           </a:bodyPr>
           <a:lstStyle/>
           <a:p>
-            <a:pPr marL="342900" lvl="0" indent="-342900">
+            <a:pPr marL="342900" marR="0" lvl="0" indent="-342900" algn="l" defTabSz="914400" rtl="0" eaLnBrk="1" fontAlgn="auto" latinLnBrk="1" hangingPunct="1">
               <a:lnSpc>
                 <a:spcPct val="120000"/>
               </a:lnSpc>
               <a:spcBef>
                 <a:spcPct val="20000"/>
               </a:spcBef>
+              <a:spcAft>
+                <a:spcPts val="0"/>
+              </a:spcAft>
+              <a:buClrTx/>
+              <a:buSzTx/>
               <a:buFont typeface="Arial" pitchFamily="34" charset="0"/>
               <a:buChar char="•"/>
+              <a:tabLst/>
               <a:defRPr/>
             </a:pPr>
             <a:r>
               <a:rPr lang="ko-KR" altLang="en-US" sz="2800" b="1" dirty="0" smtClean="0"/>
-              <a:t>프로세스</a:t>
-            </a:r>
-          </a:p>
-          <a:p>
-            <a:pPr marL="742950" lvl="1" indent="-285750">
+              <a:t>자료 흐름도</a:t>
+            </a:r>
+            <a:r>
+              <a:rPr lang="en-US" altLang="ko-KR" sz="2800" b="1" dirty="0" smtClean="0"/>
+              <a:t>(DFD, Data Flow Diagram)</a:t>
+            </a:r>
+            <a:endParaRPr kumimoji="0" lang="en-US" altLang="ko-KR" sz="2800" b="1" i="0" u="none" strike="noStrike" kern="1200" cap="none" spc="0" normalizeH="0" baseline="0" noProof="0" dirty="0" smtClean="0">
+              <a:ln>
+                <a:noFill/>
+              </a:ln>
+              <a:solidFill>
+                <a:schemeClr val="tx1"/>
+              </a:solidFill>
+              <a:effectLst/>
+              <a:uLnTx/>
+              <a:uFillTx/>
+              <a:latin typeface="+mn-lt"/>
+              <a:ea typeface="+mn-ea"/>
+              <a:cs typeface="+mn-cs"/>
+            </a:endParaRPr>
+          </a:p>
+          <a:p>
+            <a:pPr marL="742950" marR="0" lvl="1" indent="-285750" algn="l" defTabSz="914400" rtl="0" eaLnBrk="1" fontAlgn="auto" latinLnBrk="1" hangingPunct="1">
               <a:lnSpc>
                 <a:spcPct val="120000"/>
               </a:lnSpc>
               <a:spcBef>
                 <a:spcPct val="20000"/>
               </a:spcBef>
+              <a:spcAft>
+                <a:spcPts val="0"/>
+              </a:spcAft>
+              <a:buClrTx/>
+              <a:buSzTx/>
               <a:buFont typeface="Arial" pitchFamily="34" charset="0"/>
               <a:buChar char="–"/>
+              <a:tabLst/>
               <a:defRPr/>
             </a:pPr>
             <a:r>
-              <a:rPr lang="ko-KR" altLang="ko-KR" sz="2400" dirty="0" smtClean="0"/>
-              <a:t>입력되는 데이터를 원하는 데이터로 변환하여 출력하는 과정</a:t>
-            </a:r>
-            <a:endParaRPr lang="en-US" altLang="ko-KR" sz="2400" dirty="0" smtClean="0"/>
-          </a:p>
-          <a:p>
-            <a:pPr marL="742950" lvl="1" indent="-285750">
+              <a:rPr lang="ko-KR" altLang="en-US" sz="2400" dirty="0" smtClean="0"/>
+              <a:t>데이터가 소프트웨어</a:t>
+            </a:r>
+            <a:r>
+              <a:rPr lang="en-US" altLang="ko-KR" sz="2400" dirty="0" smtClean="0"/>
+              <a:t>(</a:t>
+            </a:r>
+            <a:r>
+              <a:rPr lang="ko-KR" altLang="en-US" sz="2400" dirty="0" smtClean="0"/>
+              <a:t>또는 시스템</a:t>
+            </a:r>
+            <a:r>
+              <a:rPr lang="en-US" altLang="ko-KR" sz="2400" dirty="0" smtClean="0"/>
+              <a:t>) </a:t>
+            </a:r>
+            <a:r>
+              <a:rPr lang="ko-KR" altLang="en-US" sz="2400" dirty="0" smtClean="0"/>
+              <a:t>내의 각 프로세스를 따라 흐르면서 변환되는 모습을 나타낸 그림</a:t>
+            </a:r>
+            <a:endParaRPr kumimoji="0" lang="en-US" altLang="ko-KR" sz="2400" i="0" u="none" strike="noStrike" kern="1200" cap="none" spc="0" normalizeH="0" baseline="0" noProof="0" dirty="0" smtClean="0">
+              <a:ln>
+                <a:noFill/>
+              </a:ln>
+              <a:solidFill>
+                <a:schemeClr val="tx1"/>
+              </a:solidFill>
+              <a:effectLst/>
+              <a:uLnTx/>
+              <a:uFillTx/>
+              <a:latin typeface="+mn-lt"/>
+              <a:ea typeface="+mn-ea"/>
+              <a:cs typeface="+mn-cs"/>
+            </a:endParaRPr>
+          </a:p>
+          <a:p>
+            <a:pPr marL="742950" marR="0" lvl="1" indent="-285750" algn="l" defTabSz="914400" rtl="0" eaLnBrk="1" fontAlgn="auto" latinLnBrk="1" hangingPunct="1">
               <a:lnSpc>
                 <a:spcPct val="120000"/>
               </a:lnSpc>
               <a:spcBef>
                 <a:spcPct val="20000"/>
               </a:spcBef>
-              <a:buFont typeface="Arial" pitchFamily="34" charset="0"/>
-              <a:buChar char="–"/>
+              <a:spcAft>
+                <a:spcPts val="0"/>
+              </a:spcAft>
+              <a:buClrTx/>
+              <a:buSzTx/>
+              <a:tabLst/>
               <a:defRPr/>
             </a:pPr>
-            <a:endParaRPr lang="en-US" altLang="ko-KR" sz="2400" dirty="0" smtClean="0"/>
-          </a:p>
-          <a:p>
-            <a:pPr marL="342900" lvl="0" indent="-342900">
-              <a:lnSpc>
-                <a:spcPct val="120000"/>
-              </a:lnSpc>
-              <a:spcBef>
-                <a:spcPct val="20000"/>
-              </a:spcBef>
-              <a:buFont typeface="Arial" pitchFamily="34" charset="0"/>
-              <a:buChar char="•"/>
-              <a:defRPr/>
-            </a:pPr>
-            <a:r>
-              <a:rPr lang="ko-KR" altLang="en-US" sz="2800" b="1" dirty="0" smtClean="0"/>
-              <a:t>데이터 흐름</a:t>
-            </a:r>
-          </a:p>
-          <a:p>
-            <a:pPr marL="742950" lvl="1" indent="-285750">
-              <a:lnSpc>
-                <a:spcPct val="120000"/>
-              </a:lnSpc>
-              <a:spcBef>
-                <a:spcPct val="20000"/>
-              </a:spcBef>
-              <a:buFont typeface="Arial" pitchFamily="34" charset="0"/>
-              <a:buChar char="–"/>
-              <a:defRPr/>
-            </a:pPr>
-            <a:r>
-              <a:rPr lang="ko-KR" altLang="en-US" sz="2400" dirty="0" smtClean="0"/>
-              <a:t>자</a:t>
-            </a:r>
-            <a:r>
-              <a:rPr lang="ko-KR" altLang="ko-KR" sz="2400" dirty="0" smtClean="0"/>
-              <a:t>료 흐름도의 구성 요소 간의 인터페이스</a:t>
-            </a:r>
-            <a:r>
-              <a:rPr lang="en-US" altLang="ko-KR" sz="2400" dirty="0" smtClean="0"/>
-              <a:t>(</a:t>
-            </a:r>
-            <a:r>
-              <a:rPr lang="ko-KR" altLang="ko-KR" sz="2400" dirty="0" smtClean="0"/>
-              <a:t>의사소통을 위한 매개체</a:t>
-            </a:r>
-            <a:r>
-              <a:rPr lang="en-US" altLang="ko-KR" sz="2400" dirty="0" smtClean="0"/>
-              <a:t>)</a:t>
-            </a:r>
+            <a:endParaRPr kumimoji="0" lang="en-US" altLang="ko-KR" sz="2400" b="1" i="0" u="none" strike="noStrike" kern="1200" cap="none" spc="0" normalizeH="0" baseline="0" noProof="0" dirty="0" smtClean="0">
+              <a:ln>
+                <a:noFill/>
+              </a:ln>
+              <a:solidFill>
+                <a:schemeClr val="tx1"/>
+              </a:solidFill>
+              <a:effectLst/>
+              <a:uLnTx/>
+              <a:uFillTx/>
+              <a:latin typeface="+mn-lt"/>
+              <a:ea typeface="+mn-ea"/>
+              <a:cs typeface="+mn-cs"/>
+            </a:endParaRPr>
           </a:p>
         </p:txBody>
       </p:sp>
